--- a/第2遍/动态规划/背包九讲/背包.pptx
+++ b/第2遍/动态规划/背包九讲/背包.pptx
@@ -7,6 +7,7 @@
   <p:sldIdLst>
     <p:sldId id="256" r:id="rId2"/>
     <p:sldId id="257" r:id="rId3"/>
+    <p:sldId id="258" r:id="rId4"/>
   </p:sldIdLst>
   <p:sldSz cx="9144000" cy="6858000" type="screen4x3"/>
   <p:notesSz cx="6858000" cy="9144000"/>
@@ -105,6 +106,22 @@
       </a:defRPr>
     </a:lvl9pPr>
   </p:defaultTextStyle>
+  <p:extLst>
+    <p:ext uri="{EFAFB233-063F-42B5-8137-9DF3F51BA10A}">
+      <p15:sldGuideLst xmlns:p15="http://schemas.microsoft.com/office/powerpoint/2012/main">
+        <p15:guide id="1" orient="horz" pos="2160">
+          <p15:clr>
+            <a:srgbClr val="A4A3A4"/>
+          </p15:clr>
+        </p15:guide>
+        <p15:guide id="2" pos="2880">
+          <p15:clr>
+            <a:srgbClr val="A4A3A4"/>
+          </p15:clr>
+        </p15:guide>
+      </p15:sldGuideLst>
+    </p:ext>
+  </p:extLst>
 </p:presentation>
 </file>
 
@@ -290,7 +307,7 @@
             <a:fld id="{530820CF-B880-4189-942D-D702A7CBA730}" type="datetimeFigureOut">
               <a:rPr lang="zh-CN" altLang="en-US" smtClean="0"/>
               <a:pPr/>
-              <a:t>2020/7/29</a:t>
+              <a:t>2020/7/31</a:t>
             </a:fld>
             <a:endParaRPr lang="zh-CN" altLang="en-US"/>
           </a:p>
@@ -457,7 +474,7 @@
             <a:fld id="{530820CF-B880-4189-942D-D702A7CBA730}" type="datetimeFigureOut">
               <a:rPr lang="zh-CN" altLang="en-US" smtClean="0"/>
               <a:pPr/>
-              <a:t>2020/7/29</a:t>
+              <a:t>2020/7/31</a:t>
             </a:fld>
             <a:endParaRPr lang="zh-CN" altLang="en-US"/>
           </a:p>
@@ -634,7 +651,7 @@
             <a:fld id="{530820CF-B880-4189-942D-D702A7CBA730}" type="datetimeFigureOut">
               <a:rPr lang="zh-CN" altLang="en-US" smtClean="0"/>
               <a:pPr/>
-              <a:t>2020/7/29</a:t>
+              <a:t>2020/7/31</a:t>
             </a:fld>
             <a:endParaRPr lang="zh-CN" altLang="en-US"/>
           </a:p>
@@ -801,7 +818,7 @@
             <a:fld id="{530820CF-B880-4189-942D-D702A7CBA730}" type="datetimeFigureOut">
               <a:rPr lang="zh-CN" altLang="en-US" smtClean="0"/>
               <a:pPr/>
-              <a:t>2020/7/29</a:t>
+              <a:t>2020/7/31</a:t>
             </a:fld>
             <a:endParaRPr lang="zh-CN" altLang="en-US"/>
           </a:p>
@@ -1044,7 +1061,7 @@
             <a:fld id="{530820CF-B880-4189-942D-D702A7CBA730}" type="datetimeFigureOut">
               <a:rPr lang="zh-CN" altLang="en-US" smtClean="0"/>
               <a:pPr/>
-              <a:t>2020/7/29</a:t>
+              <a:t>2020/7/31</a:t>
             </a:fld>
             <a:endParaRPr lang="zh-CN" altLang="en-US"/>
           </a:p>
@@ -1329,7 +1346,7 @@
             <a:fld id="{530820CF-B880-4189-942D-D702A7CBA730}" type="datetimeFigureOut">
               <a:rPr lang="zh-CN" altLang="en-US" smtClean="0"/>
               <a:pPr/>
-              <a:t>2020/7/29</a:t>
+              <a:t>2020/7/31</a:t>
             </a:fld>
             <a:endParaRPr lang="zh-CN" altLang="en-US"/>
           </a:p>
@@ -1748,7 +1765,7 @@
             <a:fld id="{530820CF-B880-4189-942D-D702A7CBA730}" type="datetimeFigureOut">
               <a:rPr lang="zh-CN" altLang="en-US" smtClean="0"/>
               <a:pPr/>
-              <a:t>2020/7/29</a:t>
+              <a:t>2020/7/31</a:t>
             </a:fld>
             <a:endParaRPr lang="zh-CN" altLang="en-US"/>
           </a:p>
@@ -1863,7 +1880,7 @@
             <a:fld id="{530820CF-B880-4189-942D-D702A7CBA730}" type="datetimeFigureOut">
               <a:rPr lang="zh-CN" altLang="en-US" smtClean="0"/>
               <a:pPr/>
-              <a:t>2020/7/29</a:t>
+              <a:t>2020/7/31</a:t>
             </a:fld>
             <a:endParaRPr lang="zh-CN" altLang="en-US"/>
           </a:p>
@@ -1955,7 +1972,7 @@
             <a:fld id="{530820CF-B880-4189-942D-D702A7CBA730}" type="datetimeFigureOut">
               <a:rPr lang="zh-CN" altLang="en-US" smtClean="0"/>
               <a:pPr/>
-              <a:t>2020/7/29</a:t>
+              <a:t>2020/7/31</a:t>
             </a:fld>
             <a:endParaRPr lang="zh-CN" altLang="en-US"/>
           </a:p>
@@ -2229,7 +2246,7 @@
             <a:fld id="{530820CF-B880-4189-942D-D702A7CBA730}" type="datetimeFigureOut">
               <a:rPr lang="zh-CN" altLang="en-US" smtClean="0"/>
               <a:pPr/>
-              <a:t>2020/7/29</a:t>
+              <a:t>2020/7/31</a:t>
             </a:fld>
             <a:endParaRPr lang="zh-CN" altLang="en-US"/>
           </a:p>
@@ -2479,7 +2496,7 @@
             <a:fld id="{530820CF-B880-4189-942D-D702A7CBA730}" type="datetimeFigureOut">
               <a:rPr lang="zh-CN" altLang="en-US" smtClean="0"/>
               <a:pPr/>
-              <a:t>2020/7/29</a:t>
+              <a:t>2020/7/31</a:t>
             </a:fld>
             <a:endParaRPr lang="zh-CN" altLang="en-US"/>
           </a:p>
@@ -2689,7 +2706,7 @@
             <a:fld id="{530820CF-B880-4189-942D-D702A7CBA730}" type="datetimeFigureOut">
               <a:rPr lang="zh-CN" altLang="en-US" smtClean="0"/>
               <a:pPr/>
-              <a:t>2020/7/29</a:t>
+              <a:t>2020/7/31</a:t>
             </a:fld>
             <a:endParaRPr lang="zh-CN" altLang="en-US"/>
           </a:p>
@@ -3079,10 +3096,34 @@
                 <a:tableStyleId>{5940675A-B579-460E-94D1-54222C63F5DA}</a:tableStyleId>
               </a:tblPr>
               <a:tblGrid>
-                <a:gridCol w="1524000"/>
-                <a:gridCol w="1524000"/>
-                <a:gridCol w="1524000"/>
-                <a:gridCol w="1524000"/>
+                <a:gridCol w="1524000">
+                  <a:extLst>
+                    <a:ext uri="{9D8B030D-6E8A-4147-A177-3AD203B41FA5}">
+                      <a16:colId xmlns:a16="http://schemas.microsoft.com/office/drawing/2014/main" val="20000"/>
+                    </a:ext>
+                  </a:extLst>
+                </a:gridCol>
+                <a:gridCol w="1524000">
+                  <a:extLst>
+                    <a:ext uri="{9D8B030D-6E8A-4147-A177-3AD203B41FA5}">
+                      <a16:colId xmlns:a16="http://schemas.microsoft.com/office/drawing/2014/main" val="20001"/>
+                    </a:ext>
+                  </a:extLst>
+                </a:gridCol>
+                <a:gridCol w="1524000">
+                  <a:extLst>
+                    <a:ext uri="{9D8B030D-6E8A-4147-A177-3AD203B41FA5}">
+                      <a16:colId xmlns:a16="http://schemas.microsoft.com/office/drawing/2014/main" val="20002"/>
+                    </a:ext>
+                  </a:extLst>
+                </a:gridCol>
+                <a:gridCol w="1524000">
+                  <a:extLst>
+                    <a:ext uri="{9D8B030D-6E8A-4147-A177-3AD203B41FA5}">
+                      <a16:colId xmlns:a16="http://schemas.microsoft.com/office/drawing/2014/main" val="20003"/>
+                    </a:ext>
+                  </a:extLst>
+                </a:gridCol>
               </a:tblGrid>
               <a:tr h="370840">
                 <a:tc>
@@ -3151,6 +3192,11 @@
                   </a:txBody>
                   <a:tcPr/>
                 </a:tc>
+                <a:extLst>
+                  <a:ext uri="{0D108BD9-81ED-4DB2-BD59-A6C34878D82A}">
+                    <a16:rowId xmlns:a16="http://schemas.microsoft.com/office/drawing/2014/main" val="10000"/>
+                  </a:ext>
+                </a:extLst>
               </a:tr>
               <a:tr h="370840">
                 <a:tc>
@@ -3219,6 +3265,11 @@
                   </a:txBody>
                   <a:tcPr/>
                 </a:tc>
+                <a:extLst>
+                  <a:ext uri="{0D108BD9-81ED-4DB2-BD59-A6C34878D82A}">
+                    <a16:rowId xmlns:a16="http://schemas.microsoft.com/office/drawing/2014/main" val="10001"/>
+                  </a:ext>
+                </a:extLst>
               </a:tr>
             </a:tbl>
           </a:graphicData>
@@ -4495,10 +4546,34 @@
                 <a:tableStyleId>{5940675A-B579-460E-94D1-54222C63F5DA}</a:tableStyleId>
               </a:tblPr>
               <a:tblGrid>
-                <a:gridCol w="1524000"/>
-                <a:gridCol w="1524000"/>
-                <a:gridCol w="1524000"/>
-                <a:gridCol w="1524000"/>
+                <a:gridCol w="1524000">
+                  <a:extLst>
+                    <a:ext uri="{9D8B030D-6E8A-4147-A177-3AD203B41FA5}">
+                      <a16:colId xmlns:a16="http://schemas.microsoft.com/office/drawing/2014/main" val="20000"/>
+                    </a:ext>
+                  </a:extLst>
+                </a:gridCol>
+                <a:gridCol w="1524000">
+                  <a:extLst>
+                    <a:ext uri="{9D8B030D-6E8A-4147-A177-3AD203B41FA5}">
+                      <a16:colId xmlns:a16="http://schemas.microsoft.com/office/drawing/2014/main" val="20001"/>
+                    </a:ext>
+                  </a:extLst>
+                </a:gridCol>
+                <a:gridCol w="1524000">
+                  <a:extLst>
+                    <a:ext uri="{9D8B030D-6E8A-4147-A177-3AD203B41FA5}">
+                      <a16:colId xmlns:a16="http://schemas.microsoft.com/office/drawing/2014/main" val="20002"/>
+                    </a:ext>
+                  </a:extLst>
+                </a:gridCol>
+                <a:gridCol w="1524000">
+                  <a:extLst>
+                    <a:ext uri="{9D8B030D-6E8A-4147-A177-3AD203B41FA5}">
+                      <a16:colId xmlns:a16="http://schemas.microsoft.com/office/drawing/2014/main" val="20003"/>
+                    </a:ext>
+                  </a:extLst>
+                </a:gridCol>
               </a:tblGrid>
               <a:tr h="370840">
                 <a:tc>
@@ -4567,6 +4642,11 @@
                   </a:txBody>
                   <a:tcPr/>
                 </a:tc>
+                <a:extLst>
+                  <a:ext uri="{0D108BD9-81ED-4DB2-BD59-A6C34878D82A}">
+                    <a16:rowId xmlns:a16="http://schemas.microsoft.com/office/drawing/2014/main" val="10000"/>
+                  </a:ext>
+                </a:extLst>
               </a:tr>
               <a:tr h="370840">
                 <a:tc>
@@ -4635,6 +4715,11 @@
                   </a:txBody>
                   <a:tcPr/>
                 </a:tc>
+                <a:extLst>
+                  <a:ext uri="{0D108BD9-81ED-4DB2-BD59-A6C34878D82A}">
+                    <a16:rowId xmlns:a16="http://schemas.microsoft.com/office/drawing/2014/main" val="10001"/>
+                  </a:ext>
+                </a:extLst>
               </a:tr>
             </a:tbl>
           </a:graphicData>
@@ -5743,11 +5828,7 @@
             <a:pPr algn="ctr"/>
             <a:r>
               <a:rPr lang="zh-CN" altLang="en-US" dirty="0" smtClean="0"/>
-              <a:t>完全</a:t>
-            </a:r>
-            <a:r>
-              <a:rPr lang="zh-CN" altLang="en-US" dirty="0" smtClean="0"/>
-              <a:t>背包</a:t>
+              <a:t>完全背包</a:t>
             </a:r>
             <a:endParaRPr lang="zh-CN" altLang="en-US" dirty="0"/>
           </a:p>
@@ -5871,6 +5952,249 @@
         </p:txBody>
       </p:sp>
     </p:spTree>
+  </p:cSld>
+  <p:clrMapOvr>
+    <a:masterClrMapping/>
+  </p:clrMapOvr>
+</p:sld>
+</file>
+
+<file path=ppt/slides/slide3.xml><?xml version="1.0" encoding="utf-8"?>
+<p:sld xmlns:a="http://schemas.openxmlformats.org/drawingml/2006/main" xmlns:r="http://schemas.openxmlformats.org/officeDocument/2006/relationships" xmlns:p="http://schemas.openxmlformats.org/presentationml/2006/main">
+  <p:cSld>
+    <p:spTree>
+      <p:nvGrpSpPr>
+        <p:cNvPr id="1" name=""/>
+        <p:cNvGrpSpPr/>
+        <p:nvPr/>
+      </p:nvGrpSpPr>
+      <p:grpSpPr>
+        <a:xfrm>
+          <a:off x="0" y="0"/>
+          <a:ext cx="0" cy="0"/>
+          <a:chOff x="0" y="0"/>
+          <a:chExt cx="0" cy="0"/>
+        </a:xfrm>
+      </p:grpSpPr>
+      <p:sp>
+        <p:nvSpPr>
+          <p:cNvPr id="34" name="矩形 33"/>
+          <p:cNvSpPr/>
+          <p:nvPr/>
+        </p:nvSpPr>
+        <p:spPr>
+          <a:xfrm>
+            <a:off x="0" y="0"/>
+            <a:ext cx="3779912" cy="404664"/>
+          </a:xfrm>
+          <a:prstGeom prst="rect">
+            <a:avLst/>
+          </a:prstGeom>
+          <a:ln w="38100"/>
+        </p:spPr>
+        <p:style>
+          <a:lnRef idx="2">
+            <a:schemeClr val="accent2"/>
+          </a:lnRef>
+          <a:fillRef idx="1">
+            <a:schemeClr val="lt1"/>
+          </a:fillRef>
+          <a:effectRef idx="0">
+            <a:schemeClr val="accent2"/>
+          </a:effectRef>
+          <a:fontRef idx="minor">
+            <a:schemeClr val="dk1"/>
+          </a:fontRef>
+        </p:style>
+        <p:txBody>
+          <a:bodyPr rtlCol="0" anchor="ctr"/>
+          <a:lstStyle/>
+          <a:p>
+            <a:pPr algn="ctr"/>
+            <a:r>
+              <a:rPr lang="zh-CN" altLang="en-US" b="1" dirty="0" smtClean="0"/>
+              <a:t>多重背包的单调队列优化</a:t>
+            </a:r>
+            <a:endParaRPr lang="zh-CN" altLang="en-US" b="1" dirty="0"/>
+          </a:p>
+        </p:txBody>
+      </p:sp>
+      <p:pic>
+        <p:nvPicPr>
+          <p:cNvPr id="2" name="图片 1"/>
+          <p:cNvPicPr>
+            <a:picLocks noChangeAspect="1"/>
+          </p:cNvPicPr>
+          <p:nvPr/>
+        </p:nvPicPr>
+        <p:blipFill>
+          <a:blip r:embed="rId2"/>
+          <a:stretch>
+            <a:fillRect/>
+          </a:stretch>
+        </p:blipFill>
+        <p:spPr>
+          <a:xfrm>
+            <a:off x="179512" y="620688"/>
+            <a:ext cx="8428097" cy="2232248"/>
+          </a:xfrm>
+          <a:prstGeom prst="rect">
+            <a:avLst/>
+          </a:prstGeom>
+        </p:spPr>
+      </p:pic>
+      <p:sp>
+        <p:nvSpPr>
+          <p:cNvPr id="3" name="文本框 2"/>
+          <p:cNvSpPr txBox="1"/>
+          <p:nvPr/>
+        </p:nvSpPr>
+        <p:spPr>
+          <a:xfrm>
+            <a:off x="179512" y="2862420"/>
+            <a:ext cx="8746305" cy="646331"/>
+          </a:xfrm>
+          <a:prstGeom prst="rect">
+            <a:avLst/>
+          </a:prstGeom>
+          <a:noFill/>
+        </p:spPr>
+        <p:txBody>
+          <a:bodyPr wrap="none" rtlCol="0">
+            <a:spAutoFit/>
+          </a:bodyPr>
+          <a:lstStyle/>
+          <a:p>
+            <a:r>
+              <a:rPr lang="en-US" altLang="zh-CN" dirty="0" smtClean="0"/>
+              <a:t>b</a:t>
+            </a:r>
+            <a:r>
+              <a:rPr lang="zh-CN" altLang="en-US" dirty="0" smtClean="0"/>
+              <a:t>背包体积模</a:t>
+            </a:r>
+            <a:r>
+              <a:rPr lang="en-US" altLang="zh-CN" dirty="0" smtClean="0"/>
+              <a:t>c</a:t>
+            </a:r>
+            <a:r>
+              <a:rPr lang="zh-CN" altLang="en-US" dirty="0" smtClean="0"/>
+              <a:t>的余数，</a:t>
+            </a:r>
+            <a:r>
+              <a:rPr lang="en-US" altLang="zh-CN" dirty="0" smtClean="0"/>
+              <a:t>c</a:t>
+            </a:r>
+            <a:r>
+              <a:rPr lang="zh-CN" altLang="en-US" dirty="0" smtClean="0"/>
+              <a:t>为当前物品的体积，</a:t>
+            </a:r>
+            <a:r>
+              <a:rPr lang="en-US" altLang="zh-CN" dirty="0" smtClean="0"/>
+              <a:t>w</a:t>
+            </a:r>
+            <a:r>
+              <a:rPr lang="zh-CN" altLang="en-US" dirty="0" smtClean="0"/>
+              <a:t>为物品的价值，那么可以获得背包同余</a:t>
+            </a:r>
+            <a:endParaRPr lang="en-US" altLang="zh-CN" dirty="0" smtClean="0"/>
+          </a:p>
+          <a:p>
+            <a:r>
+              <a:rPr lang="zh-CN" altLang="en-US" dirty="0"/>
+              <a:t>序</a:t>
+            </a:r>
+            <a:r>
+              <a:rPr lang="zh-CN" altLang="en-US" dirty="0" smtClean="0"/>
+              <a:t>列。</a:t>
+            </a:r>
+            <a:endParaRPr lang="zh-CN" altLang="en-US" dirty="0"/>
+          </a:p>
+        </p:txBody>
+      </p:sp>
+      <p:pic>
+        <p:nvPicPr>
+          <p:cNvPr id="4" name="图片 3"/>
+          <p:cNvPicPr>
+            <a:picLocks noChangeAspect="1"/>
+          </p:cNvPicPr>
+          <p:nvPr/>
+        </p:nvPicPr>
+        <p:blipFill>
+          <a:blip r:embed="rId3"/>
+          <a:stretch>
+            <a:fillRect/>
+          </a:stretch>
+        </p:blipFill>
+        <p:spPr>
+          <a:xfrm>
+            <a:off x="179512" y="3518234"/>
+            <a:ext cx="8377604" cy="2215021"/>
+          </a:xfrm>
+          <a:prstGeom prst="rect">
+            <a:avLst/>
+          </a:prstGeom>
+        </p:spPr>
+      </p:pic>
+      <p:sp>
+        <p:nvSpPr>
+          <p:cNvPr id="5" name="文本框 4"/>
+          <p:cNvSpPr txBox="1"/>
+          <p:nvPr/>
+        </p:nvSpPr>
+        <p:spPr>
+          <a:xfrm>
+            <a:off x="323528" y="6093296"/>
+            <a:ext cx="8494633" cy="646331"/>
+          </a:xfrm>
+          <a:prstGeom prst="rect">
+            <a:avLst/>
+          </a:prstGeom>
+          <a:noFill/>
+        </p:spPr>
+        <p:txBody>
+          <a:bodyPr wrap="none" rtlCol="0">
+            <a:spAutoFit/>
+          </a:bodyPr>
+          <a:lstStyle/>
+          <a:p>
+            <a:r>
+              <a:rPr lang="zh-CN" altLang="en-US" dirty="0" smtClean="0"/>
+              <a:t>可以看出，但我们步进的时候，假如维护一个单调队列，那么可以转化为滑窗计算</a:t>
+            </a:r>
+            <a:endParaRPr lang="en-US" altLang="zh-CN" dirty="0" smtClean="0"/>
+          </a:p>
+          <a:p>
+            <a:r>
+              <a:rPr lang="zh-CN" altLang="en-US" dirty="0"/>
+              <a:t>当</a:t>
+            </a:r>
+            <a:r>
+              <a:rPr lang="zh-CN" altLang="en-US" dirty="0" smtClean="0"/>
+              <a:t>然前提是入队的是减去当前 可容纳物品数量</a:t>
+            </a:r>
+            <a:r>
+              <a:rPr lang="en-US" altLang="zh-CN" dirty="0" smtClean="0"/>
+              <a:t>*</a:t>
+            </a:r>
+            <a:r>
+              <a:rPr lang="zh-CN" altLang="en-US" dirty="0" smtClean="0"/>
+              <a:t>物品</a:t>
+            </a:r>
+            <a:r>
+              <a:rPr lang="zh-CN" altLang="en-US" smtClean="0"/>
+              <a:t>价值，这样数据可以复用。</a:t>
+            </a:r>
+            <a:endParaRPr lang="zh-CN" altLang="en-US" dirty="0"/>
+          </a:p>
+        </p:txBody>
+      </p:sp>
+    </p:spTree>
+    <p:extLst>
+      <p:ext uri="{BB962C8B-B14F-4D97-AF65-F5344CB8AC3E}">
+        <p14:creationId xmlns:p14="http://schemas.microsoft.com/office/powerpoint/2010/main" val="1695170282"/>
+      </p:ext>
+    </p:extLst>
   </p:cSld>
   <p:clrMapOvr>
     <a:masterClrMapping/>

--- a/第2遍/动态规划/背包九讲/背包.pptx
+++ b/第2遍/动态规划/背包九讲/背包.pptx
@@ -7,7 +7,6 @@
   <p:sldIdLst>
     <p:sldId id="256" r:id="rId2"/>
     <p:sldId id="257" r:id="rId3"/>
-    <p:sldId id="258" r:id="rId4"/>
   </p:sldIdLst>
   <p:sldSz cx="9144000" cy="6858000" type="screen4x3"/>
   <p:notesSz cx="6858000" cy="9144000"/>
@@ -106,22 +105,6 @@
       </a:defRPr>
     </a:lvl9pPr>
   </p:defaultTextStyle>
-  <p:extLst>
-    <p:ext uri="{EFAFB233-063F-42B5-8137-9DF3F51BA10A}">
-      <p15:sldGuideLst xmlns:p15="http://schemas.microsoft.com/office/powerpoint/2012/main">
-        <p15:guide id="1" orient="horz" pos="2160">
-          <p15:clr>
-            <a:srgbClr val="A4A3A4"/>
-          </p15:clr>
-        </p15:guide>
-        <p15:guide id="2" pos="2880">
-          <p15:clr>
-            <a:srgbClr val="A4A3A4"/>
-          </p15:clr>
-        </p15:guide>
-      </p15:sldGuideLst>
-    </p:ext>
-  </p:extLst>
 </p:presentation>
 </file>
 
@@ -307,7 +290,7 @@
             <a:fld id="{530820CF-B880-4189-942D-D702A7CBA730}" type="datetimeFigureOut">
               <a:rPr lang="zh-CN" altLang="en-US" smtClean="0"/>
               <a:pPr/>
-              <a:t>2020/7/31</a:t>
+              <a:t>2020/8/1</a:t>
             </a:fld>
             <a:endParaRPr lang="zh-CN" altLang="en-US"/>
           </a:p>
@@ -474,7 +457,7 @@
             <a:fld id="{530820CF-B880-4189-942D-D702A7CBA730}" type="datetimeFigureOut">
               <a:rPr lang="zh-CN" altLang="en-US" smtClean="0"/>
               <a:pPr/>
-              <a:t>2020/7/31</a:t>
+              <a:t>2020/8/1</a:t>
             </a:fld>
             <a:endParaRPr lang="zh-CN" altLang="en-US"/>
           </a:p>
@@ -651,7 +634,7 @@
             <a:fld id="{530820CF-B880-4189-942D-D702A7CBA730}" type="datetimeFigureOut">
               <a:rPr lang="zh-CN" altLang="en-US" smtClean="0"/>
               <a:pPr/>
-              <a:t>2020/7/31</a:t>
+              <a:t>2020/8/1</a:t>
             </a:fld>
             <a:endParaRPr lang="zh-CN" altLang="en-US"/>
           </a:p>
@@ -818,7 +801,7 @@
             <a:fld id="{530820CF-B880-4189-942D-D702A7CBA730}" type="datetimeFigureOut">
               <a:rPr lang="zh-CN" altLang="en-US" smtClean="0"/>
               <a:pPr/>
-              <a:t>2020/7/31</a:t>
+              <a:t>2020/8/1</a:t>
             </a:fld>
             <a:endParaRPr lang="zh-CN" altLang="en-US"/>
           </a:p>
@@ -1061,7 +1044,7 @@
             <a:fld id="{530820CF-B880-4189-942D-D702A7CBA730}" type="datetimeFigureOut">
               <a:rPr lang="zh-CN" altLang="en-US" smtClean="0"/>
               <a:pPr/>
-              <a:t>2020/7/31</a:t>
+              <a:t>2020/8/1</a:t>
             </a:fld>
             <a:endParaRPr lang="zh-CN" altLang="en-US"/>
           </a:p>
@@ -1346,7 +1329,7 @@
             <a:fld id="{530820CF-B880-4189-942D-D702A7CBA730}" type="datetimeFigureOut">
               <a:rPr lang="zh-CN" altLang="en-US" smtClean="0"/>
               <a:pPr/>
-              <a:t>2020/7/31</a:t>
+              <a:t>2020/8/1</a:t>
             </a:fld>
             <a:endParaRPr lang="zh-CN" altLang="en-US"/>
           </a:p>
@@ -1765,7 +1748,7 @@
             <a:fld id="{530820CF-B880-4189-942D-D702A7CBA730}" type="datetimeFigureOut">
               <a:rPr lang="zh-CN" altLang="en-US" smtClean="0"/>
               <a:pPr/>
-              <a:t>2020/7/31</a:t>
+              <a:t>2020/8/1</a:t>
             </a:fld>
             <a:endParaRPr lang="zh-CN" altLang="en-US"/>
           </a:p>
@@ -1880,7 +1863,7 @@
             <a:fld id="{530820CF-B880-4189-942D-D702A7CBA730}" type="datetimeFigureOut">
               <a:rPr lang="zh-CN" altLang="en-US" smtClean="0"/>
               <a:pPr/>
-              <a:t>2020/7/31</a:t>
+              <a:t>2020/8/1</a:t>
             </a:fld>
             <a:endParaRPr lang="zh-CN" altLang="en-US"/>
           </a:p>
@@ -1972,7 +1955,7 @@
             <a:fld id="{530820CF-B880-4189-942D-D702A7CBA730}" type="datetimeFigureOut">
               <a:rPr lang="zh-CN" altLang="en-US" smtClean="0"/>
               <a:pPr/>
-              <a:t>2020/7/31</a:t>
+              <a:t>2020/8/1</a:t>
             </a:fld>
             <a:endParaRPr lang="zh-CN" altLang="en-US"/>
           </a:p>
@@ -2246,7 +2229,7 @@
             <a:fld id="{530820CF-B880-4189-942D-D702A7CBA730}" type="datetimeFigureOut">
               <a:rPr lang="zh-CN" altLang="en-US" smtClean="0"/>
               <a:pPr/>
-              <a:t>2020/7/31</a:t>
+              <a:t>2020/8/1</a:t>
             </a:fld>
             <a:endParaRPr lang="zh-CN" altLang="en-US"/>
           </a:p>
@@ -2496,7 +2479,7 @@
             <a:fld id="{530820CF-B880-4189-942D-D702A7CBA730}" type="datetimeFigureOut">
               <a:rPr lang="zh-CN" altLang="en-US" smtClean="0"/>
               <a:pPr/>
-              <a:t>2020/7/31</a:t>
+              <a:t>2020/8/1</a:t>
             </a:fld>
             <a:endParaRPr lang="zh-CN" altLang="en-US"/>
           </a:p>
@@ -2706,7 +2689,7 @@
             <a:fld id="{530820CF-B880-4189-942D-D702A7CBA730}" type="datetimeFigureOut">
               <a:rPr lang="zh-CN" altLang="en-US" smtClean="0"/>
               <a:pPr/>
-              <a:t>2020/7/31</a:t>
+              <a:t>2020/8/1</a:t>
             </a:fld>
             <a:endParaRPr lang="zh-CN" altLang="en-US"/>
           </a:p>
@@ -3096,34 +3079,10 @@
                 <a:tableStyleId>{5940675A-B579-460E-94D1-54222C63F5DA}</a:tableStyleId>
               </a:tblPr>
               <a:tblGrid>
-                <a:gridCol w="1524000">
-                  <a:extLst>
-                    <a:ext uri="{9D8B030D-6E8A-4147-A177-3AD203B41FA5}">
-                      <a16:colId xmlns:a16="http://schemas.microsoft.com/office/drawing/2014/main" val="20000"/>
-                    </a:ext>
-                  </a:extLst>
-                </a:gridCol>
-                <a:gridCol w="1524000">
-                  <a:extLst>
-                    <a:ext uri="{9D8B030D-6E8A-4147-A177-3AD203B41FA5}">
-                      <a16:colId xmlns:a16="http://schemas.microsoft.com/office/drawing/2014/main" val="20001"/>
-                    </a:ext>
-                  </a:extLst>
-                </a:gridCol>
-                <a:gridCol w="1524000">
-                  <a:extLst>
-                    <a:ext uri="{9D8B030D-6E8A-4147-A177-3AD203B41FA5}">
-                      <a16:colId xmlns:a16="http://schemas.microsoft.com/office/drawing/2014/main" val="20002"/>
-                    </a:ext>
-                  </a:extLst>
-                </a:gridCol>
-                <a:gridCol w="1524000">
-                  <a:extLst>
-                    <a:ext uri="{9D8B030D-6E8A-4147-A177-3AD203B41FA5}">
-                      <a16:colId xmlns:a16="http://schemas.microsoft.com/office/drawing/2014/main" val="20003"/>
-                    </a:ext>
-                  </a:extLst>
-                </a:gridCol>
+                <a:gridCol w="1524000"/>
+                <a:gridCol w="1524000"/>
+                <a:gridCol w="1524000"/>
+                <a:gridCol w="1524000"/>
               </a:tblGrid>
               <a:tr h="370840">
                 <a:tc>
@@ -3192,11 +3151,6 @@
                   </a:txBody>
                   <a:tcPr/>
                 </a:tc>
-                <a:extLst>
-                  <a:ext uri="{0D108BD9-81ED-4DB2-BD59-A6C34878D82A}">
-                    <a16:rowId xmlns:a16="http://schemas.microsoft.com/office/drawing/2014/main" val="10000"/>
-                  </a:ext>
-                </a:extLst>
               </a:tr>
               <a:tr h="370840">
                 <a:tc>
@@ -3265,11 +3219,6 @@
                   </a:txBody>
                   <a:tcPr/>
                 </a:tc>
-                <a:extLst>
-                  <a:ext uri="{0D108BD9-81ED-4DB2-BD59-A6C34878D82A}">
-                    <a16:rowId xmlns:a16="http://schemas.microsoft.com/office/drawing/2014/main" val="10001"/>
-                  </a:ext>
-                </a:extLst>
               </a:tr>
             </a:tbl>
           </a:graphicData>
@@ -4546,34 +4495,10 @@
                 <a:tableStyleId>{5940675A-B579-460E-94D1-54222C63F5DA}</a:tableStyleId>
               </a:tblPr>
               <a:tblGrid>
-                <a:gridCol w="1524000">
-                  <a:extLst>
-                    <a:ext uri="{9D8B030D-6E8A-4147-A177-3AD203B41FA5}">
-                      <a16:colId xmlns:a16="http://schemas.microsoft.com/office/drawing/2014/main" val="20000"/>
-                    </a:ext>
-                  </a:extLst>
-                </a:gridCol>
-                <a:gridCol w="1524000">
-                  <a:extLst>
-                    <a:ext uri="{9D8B030D-6E8A-4147-A177-3AD203B41FA5}">
-                      <a16:colId xmlns:a16="http://schemas.microsoft.com/office/drawing/2014/main" val="20001"/>
-                    </a:ext>
-                  </a:extLst>
-                </a:gridCol>
-                <a:gridCol w="1524000">
-                  <a:extLst>
-                    <a:ext uri="{9D8B030D-6E8A-4147-A177-3AD203B41FA5}">
-                      <a16:colId xmlns:a16="http://schemas.microsoft.com/office/drawing/2014/main" val="20002"/>
-                    </a:ext>
-                  </a:extLst>
-                </a:gridCol>
-                <a:gridCol w="1524000">
-                  <a:extLst>
-                    <a:ext uri="{9D8B030D-6E8A-4147-A177-3AD203B41FA5}">
-                      <a16:colId xmlns:a16="http://schemas.microsoft.com/office/drawing/2014/main" val="20003"/>
-                    </a:ext>
-                  </a:extLst>
-                </a:gridCol>
+                <a:gridCol w="1524000"/>
+                <a:gridCol w="1524000"/>
+                <a:gridCol w="1524000"/>
+                <a:gridCol w="1524000"/>
               </a:tblGrid>
               <a:tr h="370840">
                 <a:tc>
@@ -4642,11 +4567,6 @@
                   </a:txBody>
                   <a:tcPr/>
                 </a:tc>
-                <a:extLst>
-                  <a:ext uri="{0D108BD9-81ED-4DB2-BD59-A6C34878D82A}">
-                    <a16:rowId xmlns:a16="http://schemas.microsoft.com/office/drawing/2014/main" val="10000"/>
-                  </a:ext>
-                </a:extLst>
               </a:tr>
               <a:tr h="370840">
                 <a:tc>
@@ -4715,11 +4635,6 @@
                   </a:txBody>
                   <a:tcPr/>
                 </a:tc>
-                <a:extLst>
-                  <a:ext uri="{0D108BD9-81ED-4DB2-BD59-A6C34878D82A}">
-                    <a16:rowId xmlns:a16="http://schemas.microsoft.com/office/drawing/2014/main" val="10001"/>
-                  </a:ext>
-                </a:extLst>
               </a:tr>
             </a:tbl>
           </a:graphicData>
@@ -5952,249 +5867,6 @@
         </p:txBody>
       </p:sp>
     </p:spTree>
-  </p:cSld>
-  <p:clrMapOvr>
-    <a:masterClrMapping/>
-  </p:clrMapOvr>
-</p:sld>
-</file>
-
-<file path=ppt/slides/slide3.xml><?xml version="1.0" encoding="utf-8"?>
-<p:sld xmlns:a="http://schemas.openxmlformats.org/drawingml/2006/main" xmlns:r="http://schemas.openxmlformats.org/officeDocument/2006/relationships" xmlns:p="http://schemas.openxmlformats.org/presentationml/2006/main">
-  <p:cSld>
-    <p:spTree>
-      <p:nvGrpSpPr>
-        <p:cNvPr id="1" name=""/>
-        <p:cNvGrpSpPr/>
-        <p:nvPr/>
-      </p:nvGrpSpPr>
-      <p:grpSpPr>
-        <a:xfrm>
-          <a:off x="0" y="0"/>
-          <a:ext cx="0" cy="0"/>
-          <a:chOff x="0" y="0"/>
-          <a:chExt cx="0" cy="0"/>
-        </a:xfrm>
-      </p:grpSpPr>
-      <p:sp>
-        <p:nvSpPr>
-          <p:cNvPr id="34" name="矩形 33"/>
-          <p:cNvSpPr/>
-          <p:nvPr/>
-        </p:nvSpPr>
-        <p:spPr>
-          <a:xfrm>
-            <a:off x="0" y="0"/>
-            <a:ext cx="3779912" cy="404664"/>
-          </a:xfrm>
-          <a:prstGeom prst="rect">
-            <a:avLst/>
-          </a:prstGeom>
-          <a:ln w="38100"/>
-        </p:spPr>
-        <p:style>
-          <a:lnRef idx="2">
-            <a:schemeClr val="accent2"/>
-          </a:lnRef>
-          <a:fillRef idx="1">
-            <a:schemeClr val="lt1"/>
-          </a:fillRef>
-          <a:effectRef idx="0">
-            <a:schemeClr val="accent2"/>
-          </a:effectRef>
-          <a:fontRef idx="minor">
-            <a:schemeClr val="dk1"/>
-          </a:fontRef>
-        </p:style>
-        <p:txBody>
-          <a:bodyPr rtlCol="0" anchor="ctr"/>
-          <a:lstStyle/>
-          <a:p>
-            <a:pPr algn="ctr"/>
-            <a:r>
-              <a:rPr lang="zh-CN" altLang="en-US" b="1" dirty="0" smtClean="0"/>
-              <a:t>多重背包的单调队列优化</a:t>
-            </a:r>
-            <a:endParaRPr lang="zh-CN" altLang="en-US" b="1" dirty="0"/>
-          </a:p>
-        </p:txBody>
-      </p:sp>
-      <p:pic>
-        <p:nvPicPr>
-          <p:cNvPr id="2" name="图片 1"/>
-          <p:cNvPicPr>
-            <a:picLocks noChangeAspect="1"/>
-          </p:cNvPicPr>
-          <p:nvPr/>
-        </p:nvPicPr>
-        <p:blipFill>
-          <a:blip r:embed="rId2"/>
-          <a:stretch>
-            <a:fillRect/>
-          </a:stretch>
-        </p:blipFill>
-        <p:spPr>
-          <a:xfrm>
-            <a:off x="179512" y="620688"/>
-            <a:ext cx="8428097" cy="2232248"/>
-          </a:xfrm>
-          <a:prstGeom prst="rect">
-            <a:avLst/>
-          </a:prstGeom>
-        </p:spPr>
-      </p:pic>
-      <p:sp>
-        <p:nvSpPr>
-          <p:cNvPr id="3" name="文本框 2"/>
-          <p:cNvSpPr txBox="1"/>
-          <p:nvPr/>
-        </p:nvSpPr>
-        <p:spPr>
-          <a:xfrm>
-            <a:off x="179512" y="2862420"/>
-            <a:ext cx="8746305" cy="646331"/>
-          </a:xfrm>
-          <a:prstGeom prst="rect">
-            <a:avLst/>
-          </a:prstGeom>
-          <a:noFill/>
-        </p:spPr>
-        <p:txBody>
-          <a:bodyPr wrap="none" rtlCol="0">
-            <a:spAutoFit/>
-          </a:bodyPr>
-          <a:lstStyle/>
-          <a:p>
-            <a:r>
-              <a:rPr lang="en-US" altLang="zh-CN" dirty="0" smtClean="0"/>
-              <a:t>b</a:t>
-            </a:r>
-            <a:r>
-              <a:rPr lang="zh-CN" altLang="en-US" dirty="0" smtClean="0"/>
-              <a:t>背包体积模</a:t>
-            </a:r>
-            <a:r>
-              <a:rPr lang="en-US" altLang="zh-CN" dirty="0" smtClean="0"/>
-              <a:t>c</a:t>
-            </a:r>
-            <a:r>
-              <a:rPr lang="zh-CN" altLang="en-US" dirty="0" smtClean="0"/>
-              <a:t>的余数，</a:t>
-            </a:r>
-            <a:r>
-              <a:rPr lang="en-US" altLang="zh-CN" dirty="0" smtClean="0"/>
-              <a:t>c</a:t>
-            </a:r>
-            <a:r>
-              <a:rPr lang="zh-CN" altLang="en-US" dirty="0" smtClean="0"/>
-              <a:t>为当前物品的体积，</a:t>
-            </a:r>
-            <a:r>
-              <a:rPr lang="en-US" altLang="zh-CN" dirty="0" smtClean="0"/>
-              <a:t>w</a:t>
-            </a:r>
-            <a:r>
-              <a:rPr lang="zh-CN" altLang="en-US" dirty="0" smtClean="0"/>
-              <a:t>为物品的价值，那么可以获得背包同余</a:t>
-            </a:r>
-            <a:endParaRPr lang="en-US" altLang="zh-CN" dirty="0" smtClean="0"/>
-          </a:p>
-          <a:p>
-            <a:r>
-              <a:rPr lang="zh-CN" altLang="en-US" dirty="0"/>
-              <a:t>序</a:t>
-            </a:r>
-            <a:r>
-              <a:rPr lang="zh-CN" altLang="en-US" dirty="0" smtClean="0"/>
-              <a:t>列。</a:t>
-            </a:r>
-            <a:endParaRPr lang="zh-CN" altLang="en-US" dirty="0"/>
-          </a:p>
-        </p:txBody>
-      </p:sp>
-      <p:pic>
-        <p:nvPicPr>
-          <p:cNvPr id="4" name="图片 3"/>
-          <p:cNvPicPr>
-            <a:picLocks noChangeAspect="1"/>
-          </p:cNvPicPr>
-          <p:nvPr/>
-        </p:nvPicPr>
-        <p:blipFill>
-          <a:blip r:embed="rId3"/>
-          <a:stretch>
-            <a:fillRect/>
-          </a:stretch>
-        </p:blipFill>
-        <p:spPr>
-          <a:xfrm>
-            <a:off x="179512" y="3518234"/>
-            <a:ext cx="8377604" cy="2215021"/>
-          </a:xfrm>
-          <a:prstGeom prst="rect">
-            <a:avLst/>
-          </a:prstGeom>
-        </p:spPr>
-      </p:pic>
-      <p:sp>
-        <p:nvSpPr>
-          <p:cNvPr id="5" name="文本框 4"/>
-          <p:cNvSpPr txBox="1"/>
-          <p:nvPr/>
-        </p:nvSpPr>
-        <p:spPr>
-          <a:xfrm>
-            <a:off x="323528" y="6093296"/>
-            <a:ext cx="8494633" cy="646331"/>
-          </a:xfrm>
-          <a:prstGeom prst="rect">
-            <a:avLst/>
-          </a:prstGeom>
-          <a:noFill/>
-        </p:spPr>
-        <p:txBody>
-          <a:bodyPr wrap="none" rtlCol="0">
-            <a:spAutoFit/>
-          </a:bodyPr>
-          <a:lstStyle/>
-          <a:p>
-            <a:r>
-              <a:rPr lang="zh-CN" altLang="en-US" dirty="0" smtClean="0"/>
-              <a:t>可以看出，但我们步进的时候，假如维护一个单调队列，那么可以转化为滑窗计算</a:t>
-            </a:r>
-            <a:endParaRPr lang="en-US" altLang="zh-CN" dirty="0" smtClean="0"/>
-          </a:p>
-          <a:p>
-            <a:r>
-              <a:rPr lang="zh-CN" altLang="en-US" dirty="0"/>
-              <a:t>当</a:t>
-            </a:r>
-            <a:r>
-              <a:rPr lang="zh-CN" altLang="en-US" dirty="0" smtClean="0"/>
-              <a:t>然前提是入队的是减去当前 可容纳物品数量</a:t>
-            </a:r>
-            <a:r>
-              <a:rPr lang="en-US" altLang="zh-CN" dirty="0" smtClean="0"/>
-              <a:t>*</a:t>
-            </a:r>
-            <a:r>
-              <a:rPr lang="zh-CN" altLang="en-US" dirty="0" smtClean="0"/>
-              <a:t>物品</a:t>
-            </a:r>
-            <a:r>
-              <a:rPr lang="zh-CN" altLang="en-US" smtClean="0"/>
-              <a:t>价值，这样数据可以复用。</a:t>
-            </a:r>
-            <a:endParaRPr lang="zh-CN" altLang="en-US" dirty="0"/>
-          </a:p>
-        </p:txBody>
-      </p:sp>
-    </p:spTree>
-    <p:extLst>
-      <p:ext uri="{BB962C8B-B14F-4D97-AF65-F5344CB8AC3E}">
-        <p14:creationId xmlns:p14="http://schemas.microsoft.com/office/powerpoint/2010/main" val="1695170282"/>
-      </p:ext>
-    </p:extLst>
   </p:cSld>
   <p:clrMapOvr>
     <a:masterClrMapping/>
